--- a/ERD to Hibernate.pptx
+++ b/ERD to Hibernate.pptx
@@ -7,6 +7,8 @@
   <p:sldIdLst>
     <p:sldId id="256" r:id="rId2"/>
     <p:sldId id="257" r:id="rId3"/>
+    <p:sldId id="258" r:id="rId4"/>
+    <p:sldId id="259" r:id="rId5"/>
   </p:sldIdLst>
   <p:sldSz cx="12192000" cy="6858000"/>
   <p:notesSz cx="6858000" cy="9144000"/>
@@ -108,12 +110,7 @@
   <p:extLst>
     <p:ext uri="{EFAFB233-063F-42B5-8137-9DF3F51BA10A}">
       <p15:sldGuideLst xmlns:p15="http://schemas.microsoft.com/office/powerpoint/2012/main">
-        <p15:guide id="1" orient="horz" pos="2160" userDrawn="1">
-          <p15:clr>
-            <a:srgbClr val="A4A3A4"/>
-          </p15:clr>
-        </p15:guide>
-        <p15:guide id="2" pos="3840" userDrawn="1">
+        <p15:guide id="2" pos="7560" userDrawn="1">
           <p15:clr>
             <a:srgbClr val="A4A3A4"/>
           </p15:clr>
@@ -3114,6 +3111,1276 @@
 </p:sld>
 </file>
 
+<file path=ppt/slides/slide3.xml><?xml version="1.0" encoding="utf-8"?>
+<p:sld xmlns:a="http://schemas.openxmlformats.org/drawingml/2006/main" xmlns:r="http://schemas.openxmlformats.org/officeDocument/2006/relationships" xmlns:p="http://schemas.openxmlformats.org/presentationml/2006/main">
+  <p:cSld>
+    <p:spTree>
+      <p:nvGrpSpPr>
+        <p:cNvPr id="1" name=""/>
+        <p:cNvGrpSpPr/>
+        <p:nvPr/>
+      </p:nvGrpSpPr>
+      <p:grpSpPr>
+        <a:xfrm>
+          <a:off x="0" y="0"/>
+          <a:ext cx="0" cy="0"/>
+          <a:chOff x="0" y="0"/>
+          <a:chExt cx="0" cy="0"/>
+        </a:xfrm>
+      </p:grpSpPr>
+      <p:sp>
+        <p:nvSpPr>
+          <p:cNvPr id="2" name="Title 1"/>
+          <p:cNvSpPr>
+            <a:spLocks noGrp="1"/>
+          </p:cNvSpPr>
+          <p:nvPr>
+            <p:ph type="title"/>
+          </p:nvPr>
+        </p:nvSpPr>
+        <p:spPr>
+          <a:xfrm>
+            <a:off x="-7486" y="0"/>
+            <a:ext cx="8429564" cy="1325563"/>
+          </a:xfrm>
+        </p:spPr>
+        <p:txBody>
+          <a:bodyPr>
+            <a:noAutofit/>
+          </a:bodyPr>
+          <a:lstStyle/>
+          <a:p>
+            <a:r>
+              <a:rPr lang="en-US" sz="2400" dirty="0" smtClean="0"/>
+              <a:t>There are 5 associations in this diagram.</a:t>
+            </a:r>
+            <a:br>
+              <a:rPr lang="en-US" sz="2400" dirty="0" smtClean="0"/>
+            </a:br>
+            <a:r>
+              <a:rPr lang="en-US" sz="2400" dirty="0" smtClean="0"/>
+              <a:t>/Association between </a:t>
+            </a:r>
+            <a:r>
+              <a:rPr lang="en-US" sz="2400" b="1" dirty="0" smtClean="0"/>
+              <a:t>users</a:t>
+            </a:r>
+            <a:r>
+              <a:rPr lang="en-US" sz="2400" dirty="0" smtClean="0"/>
+              <a:t> and </a:t>
+            </a:r>
+            <a:r>
+              <a:rPr lang="en-US" sz="2400" b="1" dirty="0" smtClean="0"/>
+              <a:t>item</a:t>
+            </a:r>
+            <a:r>
+              <a:rPr lang="en-US" sz="2400" dirty="0" smtClean="0"/>
+              <a:t> tables is blurred for some reason but it’s there because there is </a:t>
+            </a:r>
+            <a:r>
+              <a:rPr lang="en-US" sz="2400" b="1" dirty="0" err="1" smtClean="0"/>
+              <a:t>user_id</a:t>
+            </a:r>
+            <a:r>
+              <a:rPr lang="en-US" sz="2400" dirty="0" smtClean="0"/>
+              <a:t> field in the item table.</a:t>
+            </a:r>
+            <a:br>
+              <a:rPr lang="en-US" sz="2400" dirty="0" smtClean="0"/>
+            </a:br>
+            <a:endParaRPr lang="en-US" sz="2400" dirty="0"/>
+          </a:p>
+        </p:txBody>
+      </p:sp>
+      <p:sp>
+        <p:nvSpPr>
+          <p:cNvPr id="20" name="Content Placeholder 2"/>
+          <p:cNvSpPr>
+            <a:spLocks noGrp="1"/>
+          </p:cNvSpPr>
+          <p:nvPr>
+            <p:ph idx="1"/>
+          </p:nvPr>
+        </p:nvSpPr>
+        <p:spPr>
+          <a:xfrm>
+            <a:off x="838200" y="1825625"/>
+            <a:ext cx="7450569" cy="859910"/>
+          </a:xfrm>
+        </p:spPr>
+        <p:txBody>
+          <a:bodyPr/>
+          <a:lstStyle/>
+          <a:p>
+            <a:pPr marL="514350" indent="-514350">
+              <a:buFont typeface="+mj-lt"/>
+              <a:buAutoNum type="arabicPeriod"/>
+            </a:pPr>
+            <a:endParaRPr lang="en-US" dirty="0"/>
+          </a:p>
+        </p:txBody>
+      </p:sp>
+      <p:graphicFrame>
+        <p:nvGraphicFramePr>
+          <p:cNvPr id="21" name="Table 20"/>
+          <p:cNvGraphicFramePr>
+            <a:graphicFrameLocks noGrp="1"/>
+          </p:cNvGraphicFramePr>
+          <p:nvPr>
+            <p:extLst>
+              <p:ext uri="{D42A27DB-BD31-4B8C-83A1-F6EECF244321}">
+                <p14:modId xmlns:p14="http://schemas.microsoft.com/office/powerpoint/2010/main" val="2748045331"/>
+              </p:ext>
+            </p:extLst>
+          </p:nvPr>
+        </p:nvGraphicFramePr>
+        <p:xfrm>
+          <a:off x="768897" y="1603841"/>
+          <a:ext cx="10706410" cy="4937760"/>
+        </p:xfrm>
+        <a:graphic>
+          <a:graphicData uri="http://schemas.openxmlformats.org/drawingml/2006/table">
+            <a:tbl>
+              <a:tblPr firstRow="1" bandRow="1">
+                <a:tableStyleId>{5C22544A-7EE6-4342-B048-85BDC9FD1C3A}</a:tableStyleId>
+              </a:tblPr>
+              <a:tblGrid>
+                <a:gridCol w="307689"/>
+                <a:gridCol w="1993333"/>
+                <a:gridCol w="2018707"/>
+                <a:gridCol w="3643482"/>
+                <a:gridCol w="2743199"/>
+              </a:tblGrid>
+              <a:tr h="370840">
+                <a:tc>
+                  <a:txBody>
+                    <a:bodyPr/>
+                    <a:lstStyle/>
+                    <a:p>
+                      <a:endParaRPr lang="en-US" dirty="0"/>
+                    </a:p>
+                  </a:txBody>
+                  <a:tcPr/>
+                </a:tc>
+                <a:tc>
+                  <a:txBody>
+                    <a:bodyPr/>
+                    <a:lstStyle/>
+                    <a:p>
+                      <a:r>
+                        <a:rPr lang="en-US" dirty="0" smtClean="0"/>
+                        <a:t>Identified association from the diagram</a:t>
+                      </a:r>
+                    </a:p>
+                    <a:p>
+                      <a:r>
+                        <a:rPr lang="en-US" dirty="0" smtClean="0"/>
+                        <a:t>or</a:t>
+                      </a:r>
+                      <a:r>
+                        <a:rPr lang="en-US" baseline="0" dirty="0" smtClean="0"/>
+                        <a:t> interesting part of the diagram.</a:t>
+                      </a:r>
+                      <a:endParaRPr lang="en-US" dirty="0"/>
+                    </a:p>
+                  </a:txBody>
+                  <a:tcPr/>
+                </a:tc>
+                <a:tc>
+                  <a:txBody>
+                    <a:bodyPr/>
+                    <a:lstStyle/>
+                    <a:p>
+                      <a:r>
+                        <a:rPr lang="en-US" dirty="0" smtClean="0"/>
+                        <a:t>Is</a:t>
+                      </a:r>
+                      <a:r>
+                        <a:rPr lang="en-US" baseline="0" dirty="0" smtClean="0"/>
+                        <a:t> tables joined by table or column?</a:t>
+                      </a:r>
+                    </a:p>
+                    <a:p>
+                      <a:r>
+                        <a:rPr lang="en-US" baseline="0" dirty="0" smtClean="0"/>
+                        <a:t>Which means join column or join table?</a:t>
+                      </a:r>
+                      <a:endParaRPr lang="en-US" dirty="0"/>
+                    </a:p>
+                  </a:txBody>
+                  <a:tcPr/>
+                </a:tc>
+                <a:tc>
+                  <a:txBody>
+                    <a:bodyPr/>
+                    <a:lstStyle/>
+                    <a:p>
+                      <a:r>
+                        <a:rPr lang="en-US" baseline="0" dirty="0" smtClean="0"/>
+                        <a:t>Logical meaning of the association?</a:t>
+                      </a:r>
+                      <a:endParaRPr lang="en-US" dirty="0"/>
+                    </a:p>
+                  </a:txBody>
+                  <a:tcPr/>
+                </a:tc>
+                <a:tc>
+                  <a:txBody>
+                    <a:bodyPr/>
+                    <a:lstStyle/>
+                    <a:p>
+                      <a:r>
+                        <a:rPr lang="en-US" dirty="0" smtClean="0"/>
+                        <a:t>What kind of relation</a:t>
+                      </a:r>
+                      <a:r>
+                        <a:rPr lang="en-US" baseline="0" dirty="0" smtClean="0"/>
+                        <a:t> it mean?</a:t>
+                      </a:r>
+                      <a:endParaRPr lang="en-US" dirty="0"/>
+                    </a:p>
+                  </a:txBody>
+                  <a:tcPr/>
+                </a:tc>
+              </a:tr>
+              <a:tr h="370840">
+                <a:tc>
+                  <a:txBody>
+                    <a:bodyPr/>
+                    <a:lstStyle/>
+                    <a:p>
+                      <a:r>
+                        <a:rPr lang="en-US" dirty="0" smtClean="0"/>
+                        <a:t>1</a:t>
+                      </a:r>
+                    </a:p>
+                    <a:p>
+                      <a:endParaRPr lang="en-US" dirty="0"/>
+                    </a:p>
+                  </a:txBody>
+                  <a:tcPr/>
+                </a:tc>
+                <a:tc>
+                  <a:txBody>
+                    <a:bodyPr/>
+                    <a:lstStyle/>
+                    <a:p>
+                      <a:r>
+                        <a:rPr lang="en-US" dirty="0" err="1" smtClean="0"/>
+                        <a:t>category_items</a:t>
+                      </a:r>
+                      <a:endParaRPr lang="en-US" dirty="0"/>
+                    </a:p>
+                  </a:txBody>
+                  <a:tcPr/>
+                </a:tc>
+                <a:tc>
+                  <a:txBody>
+                    <a:bodyPr/>
+                    <a:lstStyle/>
+                    <a:p>
+                      <a:pPr algn="ctr"/>
+                      <a:r>
+                        <a:rPr lang="en-US" b="1" dirty="0" smtClean="0"/>
+                        <a:t>Join Table</a:t>
+                      </a:r>
+                      <a:endParaRPr lang="en-US" b="1" dirty="0"/>
+                    </a:p>
+                  </a:txBody>
+                  <a:tcPr/>
+                </a:tc>
+                <a:tc>
+                  <a:txBody>
+                    <a:bodyPr/>
+                    <a:lstStyle/>
+                    <a:p>
+                      <a:r>
+                        <a:rPr lang="en-US" dirty="0" smtClean="0"/>
+                        <a:t>Item has</a:t>
+                      </a:r>
+                      <a:r>
+                        <a:rPr lang="en-US" baseline="0" dirty="0" smtClean="0"/>
+                        <a:t> </a:t>
+                      </a:r>
+                      <a:r>
+                        <a:rPr lang="en-US" b="1" baseline="0" dirty="0" smtClean="0"/>
+                        <a:t>many</a:t>
+                      </a:r>
+                      <a:r>
+                        <a:rPr lang="en-US" baseline="0" dirty="0" smtClean="0"/>
+                        <a:t> Categories</a:t>
+                      </a:r>
+                    </a:p>
+                    <a:p>
+                      <a:r>
+                        <a:rPr lang="en-US" baseline="0" dirty="0" smtClean="0"/>
+                        <a:t>Categories has </a:t>
+                      </a:r>
+                      <a:r>
+                        <a:rPr lang="en-US" b="1" baseline="0" dirty="0" smtClean="0"/>
+                        <a:t>many</a:t>
+                      </a:r>
+                      <a:r>
+                        <a:rPr lang="en-US" baseline="0" dirty="0" smtClean="0"/>
+                        <a:t> Items</a:t>
+                      </a:r>
+                      <a:endParaRPr lang="en-US" dirty="0" smtClean="0"/>
+                    </a:p>
+                    <a:p>
+                      <a:pPr algn="ctr"/>
+                      <a:endParaRPr lang="en-US" dirty="0"/>
+                    </a:p>
+                  </a:txBody>
+                  <a:tcPr/>
+                </a:tc>
+                <a:tc>
+                  <a:txBody>
+                    <a:bodyPr/>
+                    <a:lstStyle/>
+                    <a:p>
+                      <a:r>
+                        <a:rPr lang="en-US" dirty="0" err="1" smtClean="0"/>
+                        <a:t>ManyToMany</a:t>
+                      </a:r>
+                      <a:r>
+                        <a:rPr lang="en-US" baseline="0" dirty="0" smtClean="0"/>
+                        <a:t> </a:t>
+                      </a:r>
+                    </a:p>
+                    <a:p>
+                      <a:r>
+                        <a:rPr lang="en-US" b="1" baseline="0" dirty="0" smtClean="0"/>
+                        <a:t>Join table</a:t>
+                      </a:r>
+                      <a:endParaRPr lang="en-US" b="1" dirty="0"/>
+                    </a:p>
+                  </a:txBody>
+                  <a:tcPr/>
+                </a:tc>
+              </a:tr>
+              <a:tr h="370840">
+                <a:tc>
+                  <a:txBody>
+                    <a:bodyPr/>
+                    <a:lstStyle/>
+                    <a:p>
+                      <a:r>
+                        <a:rPr lang="en-US" dirty="0" smtClean="0"/>
+                        <a:t>2</a:t>
+                      </a:r>
+                      <a:endParaRPr lang="en-US" dirty="0"/>
+                    </a:p>
+                  </a:txBody>
+                  <a:tcPr/>
+                </a:tc>
+                <a:tc>
+                  <a:txBody>
+                    <a:bodyPr/>
+                    <a:lstStyle/>
+                    <a:p>
+                      <a:r>
+                        <a:rPr lang="en-US" dirty="0" err="1" smtClean="0"/>
+                        <a:t>comment_items</a:t>
+                      </a:r>
+                      <a:endParaRPr lang="en-US" dirty="0"/>
+                    </a:p>
+                  </a:txBody>
+                  <a:tcPr/>
+                </a:tc>
+                <a:tc>
+                  <a:txBody>
+                    <a:bodyPr/>
+                    <a:lstStyle/>
+                    <a:p>
+                      <a:pPr algn="ctr"/>
+                      <a:r>
+                        <a:rPr lang="en-US" b="1" dirty="0" smtClean="0"/>
+                        <a:t>Join Table</a:t>
+                      </a:r>
+                      <a:endParaRPr lang="en-US" b="1" dirty="0"/>
+                    </a:p>
+                  </a:txBody>
+                  <a:tcPr/>
+                </a:tc>
+                <a:tc>
+                  <a:txBody>
+                    <a:bodyPr/>
+                    <a:lstStyle/>
+                    <a:p>
+                      <a:r>
+                        <a:rPr lang="en-US" b="1" i="1" dirty="0" smtClean="0"/>
+                        <a:t>Many</a:t>
+                      </a:r>
+                      <a:r>
+                        <a:rPr lang="en-US" dirty="0" smtClean="0"/>
+                        <a:t> comments have</a:t>
+                      </a:r>
+                      <a:r>
+                        <a:rPr lang="en-US" baseline="0" dirty="0" smtClean="0"/>
+                        <a:t> </a:t>
+                      </a:r>
+                      <a:r>
+                        <a:rPr lang="en-US" b="1" baseline="0" dirty="0" smtClean="0"/>
+                        <a:t>One</a:t>
+                      </a:r>
+                      <a:r>
+                        <a:rPr lang="en-US" baseline="0" dirty="0" smtClean="0"/>
+                        <a:t> Item</a:t>
+                      </a:r>
+                    </a:p>
+                    <a:p>
+                      <a:pPr marL="0" marR="0" indent="0" algn="l" defTabSz="914400" rtl="0" eaLnBrk="1" fontAlgn="auto" latinLnBrk="0" hangingPunct="1">
+                        <a:lnSpc>
+                          <a:spcPct val="100000"/>
+                        </a:lnSpc>
+                        <a:spcBef>
+                          <a:spcPts val="0"/>
+                        </a:spcBef>
+                        <a:spcAft>
+                          <a:spcPts val="0"/>
+                        </a:spcAft>
+                        <a:buClrTx/>
+                        <a:buSzTx/>
+                        <a:buFontTx/>
+                        <a:buNone/>
+                        <a:tabLst/>
+                        <a:defRPr/>
+                      </a:pPr>
+                      <a:r>
+                        <a:rPr lang="en-US" b="1" i="1" dirty="0" smtClean="0"/>
+                        <a:t>One</a:t>
+                      </a:r>
+                      <a:r>
+                        <a:rPr lang="en-US" dirty="0" smtClean="0"/>
+                        <a:t> Item has </a:t>
+                      </a:r>
+                      <a:r>
+                        <a:rPr lang="en-US" b="1" dirty="0" smtClean="0"/>
+                        <a:t>many</a:t>
+                      </a:r>
+                      <a:r>
+                        <a:rPr lang="en-US" dirty="0" smtClean="0"/>
+                        <a:t> Comments</a:t>
+                      </a:r>
+                    </a:p>
+                  </a:txBody>
+                  <a:tcPr/>
+                </a:tc>
+                <a:tc>
+                  <a:txBody>
+                    <a:bodyPr/>
+                    <a:lstStyle/>
+                    <a:p>
+                      <a:r>
+                        <a:rPr lang="en-US" b="0" dirty="0" err="1" smtClean="0"/>
+                        <a:t>ManyToOne</a:t>
+                      </a:r>
+                      <a:r>
+                        <a:rPr lang="en-US" b="1" dirty="0" smtClean="0"/>
+                        <a:t> </a:t>
+                      </a:r>
+                      <a:r>
+                        <a:rPr lang="en-US" baseline="0" dirty="0" smtClean="0"/>
+                        <a:t>&amp; </a:t>
+                      </a:r>
+                      <a:r>
+                        <a:rPr lang="en-US" b="0" dirty="0" err="1" smtClean="0"/>
+                        <a:t>OneToMany</a:t>
+                      </a:r>
+                      <a:r>
+                        <a:rPr lang="en-US" dirty="0" smtClean="0"/>
+                        <a:t>  </a:t>
+                      </a:r>
+                      <a:r>
+                        <a:rPr lang="en-US" b="1" dirty="0" smtClean="0"/>
+                        <a:t>Join Table</a:t>
+                      </a:r>
+                      <a:endParaRPr lang="en-US" b="1" dirty="0"/>
+                    </a:p>
+                  </a:txBody>
+                  <a:tcPr/>
+                </a:tc>
+              </a:tr>
+              <a:tr h="370840">
+                <a:tc>
+                  <a:txBody>
+                    <a:bodyPr/>
+                    <a:lstStyle/>
+                    <a:p>
+                      <a:r>
+                        <a:rPr lang="en-US" dirty="0" smtClean="0"/>
+                        <a:t>3</a:t>
+                      </a:r>
+                      <a:endParaRPr lang="en-US" dirty="0"/>
+                    </a:p>
+                  </a:txBody>
+                  <a:tcPr/>
+                </a:tc>
+                <a:tc>
+                  <a:txBody>
+                    <a:bodyPr/>
+                    <a:lstStyle/>
+                    <a:p>
+                      <a:r>
+                        <a:rPr lang="en-US" dirty="0" err="1" smtClean="0"/>
+                        <a:t>Comment.user_USER_ID</a:t>
+                      </a:r>
+                      <a:endParaRPr lang="en-US" dirty="0"/>
+                    </a:p>
+                  </a:txBody>
+                  <a:tcPr/>
+                </a:tc>
+                <a:tc>
+                  <a:txBody>
+                    <a:bodyPr/>
+                    <a:lstStyle/>
+                    <a:p>
+                      <a:pPr algn="ctr"/>
+                      <a:r>
+                        <a:rPr lang="en-US" b="1" dirty="0" smtClean="0"/>
+                        <a:t>Join Column</a:t>
+                      </a:r>
+                      <a:endParaRPr lang="en-US" b="1" dirty="0"/>
+                    </a:p>
+                  </a:txBody>
+                  <a:tcPr/>
+                </a:tc>
+                <a:tc>
+                  <a:txBody>
+                    <a:bodyPr/>
+                    <a:lstStyle/>
+                    <a:p>
+                      <a:r>
+                        <a:rPr lang="en-US" b="1" dirty="0" smtClean="0"/>
+                        <a:t>One</a:t>
+                      </a:r>
+                      <a:r>
+                        <a:rPr lang="en-US" dirty="0" smtClean="0"/>
+                        <a:t> User has </a:t>
+                      </a:r>
+                      <a:r>
+                        <a:rPr lang="en-US" b="1" dirty="0" smtClean="0"/>
+                        <a:t>Many</a:t>
+                      </a:r>
+                      <a:r>
+                        <a:rPr lang="en-US" dirty="0" smtClean="0"/>
+                        <a:t> Comments</a:t>
+                      </a:r>
+                    </a:p>
+                    <a:p>
+                      <a:r>
+                        <a:rPr lang="en-US" b="1" dirty="0" smtClean="0"/>
+                        <a:t>Many</a:t>
+                      </a:r>
+                      <a:r>
+                        <a:rPr lang="en-US" baseline="0" dirty="0" smtClean="0"/>
+                        <a:t> Comments belong to </a:t>
+                      </a:r>
+                      <a:r>
+                        <a:rPr lang="en-US" b="1" baseline="0" dirty="0" smtClean="0"/>
+                        <a:t>One</a:t>
+                      </a:r>
+                      <a:r>
+                        <a:rPr lang="en-US" baseline="0" dirty="0" smtClean="0"/>
+                        <a:t> User</a:t>
+                      </a:r>
+                      <a:endParaRPr lang="en-US" dirty="0"/>
+                    </a:p>
+                  </a:txBody>
+                  <a:tcPr/>
+                </a:tc>
+                <a:tc>
+                  <a:txBody>
+                    <a:bodyPr/>
+                    <a:lstStyle/>
+                    <a:p>
+                      <a:r>
+                        <a:rPr lang="en-US" dirty="0" err="1" smtClean="0"/>
+                        <a:t>OneToMany</a:t>
+                      </a:r>
+                      <a:r>
+                        <a:rPr lang="en-US" dirty="0" smtClean="0"/>
+                        <a:t> &amp; </a:t>
+                      </a:r>
+                      <a:r>
+                        <a:rPr lang="en-US" dirty="0" err="1" smtClean="0"/>
+                        <a:t>ManyToOne</a:t>
+                      </a:r>
+                      <a:endParaRPr lang="en-US" dirty="0" smtClean="0"/>
+                    </a:p>
+                    <a:p>
+                      <a:r>
+                        <a:rPr lang="en-US" b="1" dirty="0" smtClean="0"/>
+                        <a:t>Join Column</a:t>
+                      </a:r>
+                      <a:endParaRPr lang="en-US" b="1" dirty="0"/>
+                    </a:p>
+                  </a:txBody>
+                  <a:tcPr/>
+                </a:tc>
+              </a:tr>
+              <a:tr h="370840">
+                <a:tc>
+                  <a:txBody>
+                    <a:bodyPr/>
+                    <a:lstStyle/>
+                    <a:p>
+                      <a:r>
+                        <a:rPr lang="en-US" dirty="0" smtClean="0"/>
+                        <a:t>4</a:t>
+                      </a:r>
+                      <a:endParaRPr lang="en-US" dirty="0"/>
+                    </a:p>
+                  </a:txBody>
+                  <a:tcPr/>
+                </a:tc>
+                <a:tc>
+                  <a:txBody>
+                    <a:bodyPr/>
+                    <a:lstStyle/>
+                    <a:p>
+                      <a:r>
+                        <a:rPr lang="en-US" dirty="0" err="1" smtClean="0"/>
+                        <a:t>Address.user_id</a:t>
+                      </a:r>
+                      <a:endParaRPr lang="en-US" dirty="0"/>
+                    </a:p>
+                  </a:txBody>
+                  <a:tcPr/>
+                </a:tc>
+                <a:tc>
+                  <a:txBody>
+                    <a:bodyPr/>
+                    <a:lstStyle/>
+                    <a:p>
+                      <a:pPr algn="ctr"/>
+                      <a:r>
+                        <a:rPr lang="en-US" b="1" dirty="0" smtClean="0"/>
+                        <a:t>Join Column</a:t>
+                      </a:r>
+                      <a:endParaRPr lang="en-US" b="1" dirty="0"/>
+                    </a:p>
+                  </a:txBody>
+                  <a:tcPr/>
+                </a:tc>
+                <a:tc>
+                  <a:txBody>
+                    <a:bodyPr/>
+                    <a:lstStyle/>
+                    <a:p>
+                      <a:r>
+                        <a:rPr lang="en-US" b="1" dirty="0" smtClean="0"/>
+                        <a:t>One</a:t>
+                      </a:r>
+                      <a:r>
+                        <a:rPr lang="en-US" baseline="0" dirty="0" smtClean="0"/>
+                        <a:t> User has </a:t>
+                      </a:r>
+                      <a:r>
+                        <a:rPr lang="en-US" b="1" baseline="0" dirty="0" smtClean="0"/>
+                        <a:t>Many</a:t>
+                      </a:r>
+                      <a:r>
+                        <a:rPr lang="en-US" baseline="0" dirty="0" smtClean="0"/>
+                        <a:t> Address</a:t>
+                      </a:r>
+                    </a:p>
+                    <a:p>
+                      <a:r>
+                        <a:rPr lang="en-US" b="1" baseline="0" dirty="0" smtClean="0"/>
+                        <a:t>Many </a:t>
+                      </a:r>
+                      <a:r>
+                        <a:rPr lang="en-US" baseline="0" dirty="0" smtClean="0"/>
+                        <a:t>Address belong to </a:t>
+                      </a:r>
+                      <a:r>
+                        <a:rPr lang="en-US" b="1" baseline="0" dirty="0" smtClean="0"/>
+                        <a:t>One</a:t>
+                      </a:r>
+                      <a:r>
+                        <a:rPr lang="en-US" baseline="0" dirty="0" smtClean="0"/>
+                        <a:t> User</a:t>
+                      </a:r>
+                      <a:endParaRPr lang="en-US" dirty="0"/>
+                    </a:p>
+                  </a:txBody>
+                  <a:tcPr/>
+                </a:tc>
+                <a:tc>
+                  <a:txBody>
+                    <a:bodyPr/>
+                    <a:lstStyle/>
+                    <a:p>
+                      <a:r>
+                        <a:rPr lang="en-US" dirty="0" err="1" smtClean="0"/>
+                        <a:t>OneToMany</a:t>
+                      </a:r>
+                      <a:r>
+                        <a:rPr lang="en-US" dirty="0" smtClean="0"/>
+                        <a:t> &amp; </a:t>
+                      </a:r>
+                      <a:r>
+                        <a:rPr lang="en-US" dirty="0" err="1" smtClean="0"/>
+                        <a:t>ManyToOne</a:t>
+                      </a:r>
+                      <a:endParaRPr lang="en-US" dirty="0" smtClean="0"/>
+                    </a:p>
+                    <a:p>
+                      <a:r>
+                        <a:rPr lang="en-US" b="1" dirty="0" smtClean="0"/>
+                        <a:t>Join</a:t>
+                      </a:r>
+                      <a:r>
+                        <a:rPr lang="en-US" b="1" baseline="0" dirty="0" smtClean="0"/>
+                        <a:t> Column</a:t>
+                      </a:r>
+                      <a:endParaRPr lang="en-US" b="1" dirty="0"/>
+                    </a:p>
+                  </a:txBody>
+                  <a:tcPr/>
+                </a:tc>
+              </a:tr>
+              <a:tr h="370840">
+                <a:tc>
+                  <a:txBody>
+                    <a:bodyPr/>
+                    <a:lstStyle/>
+                    <a:p>
+                      <a:r>
+                        <a:rPr lang="en-US" dirty="0" smtClean="0"/>
+                        <a:t>5</a:t>
+                      </a:r>
+                      <a:endParaRPr lang="en-US" dirty="0"/>
+                    </a:p>
+                  </a:txBody>
+                  <a:tcPr/>
+                </a:tc>
+                <a:tc>
+                  <a:txBody>
+                    <a:bodyPr/>
+                    <a:lstStyle/>
+                    <a:p>
+                      <a:r>
+                        <a:rPr lang="en-US" dirty="0" err="1" smtClean="0"/>
+                        <a:t>Item.user_id</a:t>
+                      </a:r>
+                      <a:endParaRPr lang="en-US" dirty="0"/>
+                    </a:p>
+                  </a:txBody>
+                  <a:tcPr/>
+                </a:tc>
+                <a:tc>
+                  <a:txBody>
+                    <a:bodyPr/>
+                    <a:lstStyle/>
+                    <a:p>
+                      <a:pPr algn="ctr"/>
+                      <a:r>
+                        <a:rPr lang="en-US" b="1" dirty="0" smtClean="0"/>
+                        <a:t>Join Column</a:t>
+                      </a:r>
+                      <a:endParaRPr lang="en-US" b="1" dirty="0"/>
+                    </a:p>
+                  </a:txBody>
+                  <a:tcPr/>
+                </a:tc>
+                <a:tc>
+                  <a:txBody>
+                    <a:bodyPr/>
+                    <a:lstStyle/>
+                    <a:p>
+                      <a:r>
+                        <a:rPr lang="en-US" b="1" dirty="0" smtClean="0"/>
+                        <a:t>One</a:t>
+                      </a:r>
+                      <a:r>
+                        <a:rPr lang="en-US" dirty="0" smtClean="0"/>
+                        <a:t> User</a:t>
+                      </a:r>
+                      <a:r>
+                        <a:rPr lang="en-US" baseline="0" dirty="0" smtClean="0"/>
+                        <a:t> has </a:t>
+                      </a:r>
+                      <a:r>
+                        <a:rPr lang="en-US" b="1" baseline="0" dirty="0" smtClean="0"/>
+                        <a:t>Many</a:t>
+                      </a:r>
+                      <a:r>
+                        <a:rPr lang="en-US" baseline="0" dirty="0" smtClean="0"/>
+                        <a:t> Item</a:t>
+                      </a:r>
+                    </a:p>
+                    <a:p>
+                      <a:r>
+                        <a:rPr lang="en-US" b="1" baseline="0" dirty="0" smtClean="0"/>
+                        <a:t>Many</a:t>
+                      </a:r>
+                      <a:r>
+                        <a:rPr lang="en-US" baseline="0" dirty="0" smtClean="0"/>
+                        <a:t> Item belong to </a:t>
+                      </a:r>
+                      <a:r>
+                        <a:rPr lang="en-US" b="1" baseline="0" dirty="0" smtClean="0"/>
+                        <a:t>One</a:t>
+                      </a:r>
+                      <a:r>
+                        <a:rPr lang="en-US" baseline="0" dirty="0" smtClean="0"/>
+                        <a:t> User</a:t>
+                      </a:r>
+                      <a:endParaRPr lang="en-US" dirty="0"/>
+                    </a:p>
+                  </a:txBody>
+                  <a:tcPr/>
+                </a:tc>
+                <a:tc>
+                  <a:txBody>
+                    <a:bodyPr/>
+                    <a:lstStyle/>
+                    <a:p>
+                      <a:r>
+                        <a:rPr lang="en-US" dirty="0" err="1" smtClean="0"/>
+                        <a:t>OneToMany</a:t>
+                      </a:r>
+                      <a:r>
+                        <a:rPr lang="en-US" baseline="0" dirty="0" smtClean="0"/>
+                        <a:t> &amp; </a:t>
+                      </a:r>
+                      <a:r>
+                        <a:rPr lang="en-US" baseline="0" dirty="0" err="1" smtClean="0"/>
+                        <a:t>ManyToOne</a:t>
+                      </a:r>
+                      <a:endParaRPr lang="en-US" baseline="0" dirty="0" smtClean="0"/>
+                    </a:p>
+                    <a:p>
+                      <a:r>
+                        <a:rPr lang="en-US" b="1" baseline="0" dirty="0" smtClean="0"/>
+                        <a:t>Join Column</a:t>
+                      </a:r>
+                      <a:endParaRPr lang="en-US" b="1" dirty="0"/>
+                    </a:p>
+                  </a:txBody>
+                  <a:tcPr/>
+                </a:tc>
+              </a:tr>
+            </a:tbl>
+          </a:graphicData>
+        </a:graphic>
+      </p:graphicFrame>
+      <p:grpSp>
+        <p:nvGrpSpPr>
+          <p:cNvPr id="16" name="Group 15"/>
+          <p:cNvGrpSpPr/>
+          <p:nvPr/>
+        </p:nvGrpSpPr>
+        <p:grpSpPr>
+          <a:xfrm>
+            <a:off x="8288769" y="0"/>
+            <a:ext cx="3871783" cy="2589856"/>
+            <a:chOff x="2592340" y="1825625"/>
+            <a:chExt cx="6774081" cy="4085872"/>
+          </a:xfrm>
+        </p:grpSpPr>
+        <p:pic>
+          <p:nvPicPr>
+            <p:cNvPr id="4" name="Content Placeholder 3"/>
+            <p:cNvPicPr>
+              <a:picLocks noChangeAspect="1"/>
+            </p:cNvPicPr>
+            <p:nvPr/>
+          </p:nvPicPr>
+          <p:blipFill rotWithShape="1">
+            <a:blip r:embed="rId2"/>
+            <a:srcRect t="40397"/>
+            <a:stretch/>
+          </p:blipFill>
+          <p:spPr>
+            <a:xfrm>
+              <a:off x="2592340" y="1825625"/>
+              <a:ext cx="6774081" cy="4085872"/>
+            </a:xfrm>
+            <a:prstGeom prst="rect">
+              <a:avLst/>
+            </a:prstGeom>
+          </p:spPr>
+        </p:pic>
+        <p:sp>
+          <p:nvSpPr>
+            <p:cNvPr id="7" name="Rectangle 6"/>
+            <p:cNvSpPr/>
+            <p:nvPr/>
+          </p:nvSpPr>
+          <p:spPr>
+            <a:xfrm>
+              <a:off x="2825580" y="4168347"/>
+              <a:ext cx="1260388" cy="1021491"/>
+            </a:xfrm>
+            <a:prstGeom prst="rect">
+              <a:avLst/>
+            </a:prstGeom>
+            <a:solidFill>
+              <a:srgbClr val="FFC000">
+                <a:alpha val="20000"/>
+              </a:srgbClr>
+            </a:solidFill>
+            <a:ln>
+              <a:noFill/>
+            </a:ln>
+          </p:spPr>
+          <p:style>
+            <a:lnRef idx="2">
+              <a:schemeClr val="accent1">
+                <a:shade val="50000"/>
+              </a:schemeClr>
+            </a:lnRef>
+            <a:fillRef idx="1">
+              <a:schemeClr val="accent1"/>
+            </a:fillRef>
+            <a:effectRef idx="0">
+              <a:schemeClr val="accent1"/>
+            </a:effectRef>
+            <a:fontRef idx="minor">
+              <a:schemeClr val="lt1"/>
+            </a:fontRef>
+          </p:style>
+          <p:txBody>
+            <a:bodyPr rtlCol="0" anchor="ctr"/>
+            <a:lstStyle/>
+            <a:p>
+              <a:pPr algn="ctr"/>
+              <a:endParaRPr lang="en-US"/>
+            </a:p>
+          </p:txBody>
+        </p:sp>
+        <p:sp>
+          <p:nvSpPr>
+            <p:cNvPr id="8" name="TextBox 7"/>
+            <p:cNvSpPr txBox="1"/>
+            <p:nvPr/>
+          </p:nvSpPr>
+          <p:spPr>
+            <a:xfrm>
+              <a:off x="2825580" y="3731547"/>
+              <a:ext cx="304798" cy="276999"/>
+            </a:xfrm>
+            <a:prstGeom prst="rect">
+              <a:avLst/>
+            </a:prstGeom>
+            <a:solidFill>
+              <a:schemeClr val="accent4">
+                <a:lumMod val="60000"/>
+                <a:lumOff val="40000"/>
+              </a:schemeClr>
+            </a:solidFill>
+          </p:spPr>
+          <p:txBody>
+            <a:bodyPr wrap="square" rtlCol="0">
+              <a:spAutoFit/>
+            </a:bodyPr>
+            <a:lstStyle/>
+            <a:p>
+              <a:r>
+                <a:rPr lang="en-US" sz="1200" dirty="0" smtClean="0"/>
+                <a:t>1</a:t>
+              </a:r>
+              <a:endParaRPr lang="en-US" sz="1200" dirty="0"/>
+            </a:p>
+          </p:txBody>
+        </p:sp>
+        <p:sp>
+          <p:nvSpPr>
+            <p:cNvPr id="9" name="TextBox 8"/>
+            <p:cNvSpPr txBox="1"/>
+            <p:nvPr/>
+          </p:nvSpPr>
+          <p:spPr>
+            <a:xfrm>
+              <a:off x="5943601" y="2240499"/>
+              <a:ext cx="304798" cy="276999"/>
+            </a:xfrm>
+            <a:prstGeom prst="rect">
+              <a:avLst/>
+            </a:prstGeom>
+            <a:solidFill>
+              <a:schemeClr val="accent4">
+                <a:lumMod val="60000"/>
+                <a:lumOff val="40000"/>
+              </a:schemeClr>
+            </a:solidFill>
+          </p:spPr>
+          <p:txBody>
+            <a:bodyPr wrap="square" rtlCol="0">
+              <a:spAutoFit/>
+            </a:bodyPr>
+            <a:lstStyle/>
+            <a:p>
+              <a:r>
+                <a:rPr lang="en-US" sz="1200" dirty="0" smtClean="0"/>
+                <a:t>2</a:t>
+              </a:r>
+              <a:endParaRPr lang="en-US" sz="1200" dirty="0"/>
+            </a:p>
+          </p:txBody>
+        </p:sp>
+        <p:sp>
+          <p:nvSpPr>
+            <p:cNvPr id="10" name="TextBox 9"/>
+            <p:cNvSpPr txBox="1"/>
+            <p:nvPr/>
+          </p:nvSpPr>
+          <p:spPr>
+            <a:xfrm>
+              <a:off x="6849763" y="3130186"/>
+              <a:ext cx="304798" cy="276999"/>
+            </a:xfrm>
+            <a:prstGeom prst="rect">
+              <a:avLst/>
+            </a:prstGeom>
+            <a:solidFill>
+              <a:schemeClr val="accent4">
+                <a:lumMod val="60000"/>
+                <a:lumOff val="40000"/>
+              </a:schemeClr>
+            </a:solidFill>
+          </p:spPr>
+          <p:txBody>
+            <a:bodyPr wrap="square" rtlCol="0">
+              <a:spAutoFit/>
+            </a:bodyPr>
+            <a:lstStyle/>
+            <a:p>
+              <a:r>
+                <a:rPr lang="en-US" sz="1200" dirty="0"/>
+                <a:t>3</a:t>
+              </a:r>
+              <a:endParaRPr lang="en-US" sz="1200" dirty="0"/>
+            </a:p>
+          </p:txBody>
+        </p:sp>
+        <p:sp>
+          <p:nvSpPr>
+            <p:cNvPr id="11" name="TextBox 10"/>
+            <p:cNvSpPr txBox="1"/>
+            <p:nvPr/>
+          </p:nvSpPr>
+          <p:spPr>
+            <a:xfrm>
+              <a:off x="7632358" y="4494426"/>
+              <a:ext cx="304798" cy="276999"/>
+            </a:xfrm>
+            <a:prstGeom prst="rect">
+              <a:avLst/>
+            </a:prstGeom>
+            <a:solidFill>
+              <a:schemeClr val="accent4">
+                <a:lumMod val="60000"/>
+                <a:lumOff val="40000"/>
+              </a:schemeClr>
+            </a:solidFill>
+          </p:spPr>
+          <p:txBody>
+            <a:bodyPr wrap="square" rtlCol="0">
+              <a:spAutoFit/>
+            </a:bodyPr>
+            <a:lstStyle/>
+            <a:p>
+              <a:r>
+                <a:rPr lang="en-US" sz="1200" dirty="0"/>
+                <a:t>5</a:t>
+              </a:r>
+              <a:endParaRPr lang="en-US" sz="1200" dirty="0"/>
+            </a:p>
+          </p:txBody>
+        </p:sp>
+        <p:sp>
+          <p:nvSpPr>
+            <p:cNvPr id="12" name="TextBox 11"/>
+            <p:cNvSpPr txBox="1"/>
+            <p:nvPr/>
+          </p:nvSpPr>
+          <p:spPr>
+            <a:xfrm>
+              <a:off x="5929953" y="4494426"/>
+              <a:ext cx="304798" cy="276999"/>
+            </a:xfrm>
+            <a:prstGeom prst="rect">
+              <a:avLst/>
+            </a:prstGeom>
+            <a:solidFill>
+              <a:schemeClr val="accent4">
+                <a:lumMod val="60000"/>
+                <a:lumOff val="40000"/>
+              </a:schemeClr>
+            </a:solidFill>
+          </p:spPr>
+          <p:txBody>
+            <a:bodyPr wrap="square" rtlCol="0">
+              <a:spAutoFit/>
+            </a:bodyPr>
+            <a:lstStyle/>
+            <a:p>
+              <a:r>
+                <a:rPr lang="en-US" sz="1200" dirty="0"/>
+                <a:t>4</a:t>
+              </a:r>
+              <a:endParaRPr lang="en-US" sz="1200" dirty="0"/>
+            </a:p>
+          </p:txBody>
+        </p:sp>
+        <p:sp>
+          <p:nvSpPr>
+            <p:cNvPr id="15" name="Rectangle 14"/>
+            <p:cNvSpPr/>
+            <p:nvPr/>
+          </p:nvSpPr>
+          <p:spPr>
+            <a:xfrm>
+              <a:off x="4469028" y="1879856"/>
+              <a:ext cx="1260388" cy="1021491"/>
+            </a:xfrm>
+            <a:prstGeom prst="rect">
+              <a:avLst/>
+            </a:prstGeom>
+            <a:solidFill>
+              <a:srgbClr val="FFC000">
+                <a:alpha val="20000"/>
+              </a:srgbClr>
+            </a:solidFill>
+            <a:ln>
+              <a:noFill/>
+            </a:ln>
+          </p:spPr>
+          <p:style>
+            <a:lnRef idx="2">
+              <a:schemeClr val="accent1">
+                <a:shade val="50000"/>
+              </a:schemeClr>
+            </a:lnRef>
+            <a:fillRef idx="1">
+              <a:schemeClr val="accent1"/>
+            </a:fillRef>
+            <a:effectRef idx="0">
+              <a:schemeClr val="accent1"/>
+            </a:effectRef>
+            <a:fontRef idx="minor">
+              <a:schemeClr val="lt1"/>
+            </a:fontRef>
+          </p:style>
+          <p:txBody>
+            <a:bodyPr rtlCol="0" anchor="ctr"/>
+            <a:lstStyle/>
+            <a:p>
+              <a:pPr algn="ctr"/>
+              <a:endParaRPr lang="en-US"/>
+            </a:p>
+          </p:txBody>
+        </p:sp>
+      </p:grpSp>
+      <p:pic>
+        <p:nvPicPr>
+          <p:cNvPr id="22" name="Picture 21"/>
+          <p:cNvPicPr>
+            <a:picLocks noChangeAspect="1"/>
+          </p:cNvPicPr>
+          <p:nvPr/>
+        </p:nvPicPr>
+        <p:blipFill>
+          <a:blip r:embed="rId3"/>
+          <a:stretch>
+            <a:fillRect/>
+          </a:stretch>
+        </p:blipFill>
+        <p:spPr>
+          <a:xfrm>
+            <a:off x="89343" y="74606"/>
+            <a:ext cx="5943600" cy="2266950"/>
+          </a:xfrm>
+          <a:prstGeom prst="rect">
+            <a:avLst/>
+          </a:prstGeom>
+        </p:spPr>
+      </p:pic>
+    </p:spTree>
+    <p:extLst>
+      <p:ext uri="{BB962C8B-B14F-4D97-AF65-F5344CB8AC3E}">
+        <p14:creationId xmlns:p14="http://schemas.microsoft.com/office/powerpoint/2010/main" val="1639526509"/>
+      </p:ext>
+    </p:extLst>
+  </p:cSld>
+  <p:clrMapOvr>
+    <a:masterClrMapping/>
+  </p:clrMapOvr>
+</p:sld>
+</file>
+
+<file path=ppt/slides/slide4.xml><?xml version="1.0" encoding="utf-8"?>
+<p:sld xmlns:a="http://schemas.openxmlformats.org/drawingml/2006/main" xmlns:r="http://schemas.openxmlformats.org/officeDocument/2006/relationships" xmlns:p="http://schemas.openxmlformats.org/presentationml/2006/main">
+  <p:cSld>
+    <p:spTree>
+      <p:nvGrpSpPr>
+        <p:cNvPr id="1" name=""/>
+        <p:cNvGrpSpPr/>
+        <p:nvPr/>
+      </p:nvGrpSpPr>
+      <p:grpSpPr>
+        <a:xfrm>
+          <a:off x="0" y="0"/>
+          <a:ext cx="0" cy="0"/>
+          <a:chOff x="0" y="0"/>
+          <a:chExt cx="0" cy="0"/>
+        </a:xfrm>
+      </p:grpSpPr>
+      <p:sp>
+        <p:nvSpPr>
+          <p:cNvPr id="2" name="Title 1"/>
+          <p:cNvSpPr>
+            <a:spLocks noGrp="1"/>
+          </p:cNvSpPr>
+          <p:nvPr>
+            <p:ph type="title"/>
+          </p:nvPr>
+        </p:nvSpPr>
+        <p:spPr/>
+        <p:txBody>
+          <a:bodyPr/>
+          <a:lstStyle/>
+          <a:p>
+            <a:endParaRPr lang="en-US"/>
+          </a:p>
+        </p:txBody>
+      </p:sp>
+      <p:sp>
+        <p:nvSpPr>
+          <p:cNvPr id="3" name="Content Placeholder 2"/>
+          <p:cNvSpPr>
+            <a:spLocks noGrp="1"/>
+          </p:cNvSpPr>
+          <p:nvPr>
+            <p:ph idx="1"/>
+          </p:nvPr>
+        </p:nvSpPr>
+        <p:spPr/>
+        <p:txBody>
+          <a:bodyPr/>
+          <a:lstStyle/>
+          <a:p>
+            <a:endParaRPr lang="en-US"/>
+          </a:p>
+        </p:txBody>
+      </p:sp>
+    </p:spTree>
+    <p:extLst>
+      <p:ext uri="{BB962C8B-B14F-4D97-AF65-F5344CB8AC3E}">
+        <p14:creationId xmlns:p14="http://schemas.microsoft.com/office/powerpoint/2010/main" val="2800286354"/>
+      </p:ext>
+    </p:extLst>
+  </p:cSld>
+  <p:clrMapOvr>
+    <a:masterClrMapping/>
+  </p:clrMapOvr>
+</p:sld>
+</file>
+
 <file path=ppt/theme/theme1.xml><?xml version="1.0" encoding="utf-8"?>
 <a:theme xmlns:a="http://schemas.openxmlformats.org/drawingml/2006/main" name="Office Theme">
   <a:themeElements>
